--- a/1. Front-end/3. JavaScipt - JS/3.2 Lập trình cơ bản với JS.pptx
+++ b/1. Front-end/3. JavaScipt - JS/3.2 Lập trình cơ bản với JS.pptx
@@ -310,7 +310,7 @@
             <a:fld id="{1D8BD707-D9CF-40AE-B4C6-C98DA3205C09}" type="datetimeFigureOut">
               <a:rPr lang="en-US" smtClean="0"/>
               <a:pPr/>
-              <a:t>7/2/2018</a:t>
+              <a:t>7/3/2018</a:t>
             </a:fld>
             <a:endParaRPr lang="en-US"/>
           </a:p>
@@ -477,7 +477,7 @@
             <a:fld id="{1D8BD707-D9CF-40AE-B4C6-C98DA3205C09}" type="datetimeFigureOut">
               <a:rPr lang="en-US" smtClean="0"/>
               <a:pPr/>
-              <a:t>7/2/2018</a:t>
+              <a:t>7/3/2018</a:t>
             </a:fld>
             <a:endParaRPr lang="en-US"/>
           </a:p>
@@ -654,7 +654,7 @@
             <a:fld id="{1D8BD707-D9CF-40AE-B4C6-C98DA3205C09}" type="datetimeFigureOut">
               <a:rPr lang="en-US" smtClean="0"/>
               <a:pPr/>
-              <a:t>7/2/2018</a:t>
+              <a:t>7/3/2018</a:t>
             </a:fld>
             <a:endParaRPr lang="en-US"/>
           </a:p>
@@ -821,7 +821,7 @@
             <a:fld id="{1D8BD707-D9CF-40AE-B4C6-C98DA3205C09}" type="datetimeFigureOut">
               <a:rPr lang="en-US" smtClean="0"/>
               <a:pPr/>
-              <a:t>7/2/2018</a:t>
+              <a:t>7/3/2018</a:t>
             </a:fld>
             <a:endParaRPr lang="en-US"/>
           </a:p>
@@ -1064,7 +1064,7 @@
             <a:fld id="{1D8BD707-D9CF-40AE-B4C6-C98DA3205C09}" type="datetimeFigureOut">
               <a:rPr lang="en-US" smtClean="0"/>
               <a:pPr/>
-              <a:t>7/2/2018</a:t>
+              <a:t>7/3/2018</a:t>
             </a:fld>
             <a:endParaRPr lang="en-US"/>
           </a:p>
@@ -1349,7 +1349,7 @@
             <a:fld id="{1D8BD707-D9CF-40AE-B4C6-C98DA3205C09}" type="datetimeFigureOut">
               <a:rPr lang="en-US" smtClean="0"/>
               <a:pPr/>
-              <a:t>7/2/2018</a:t>
+              <a:t>7/3/2018</a:t>
             </a:fld>
             <a:endParaRPr lang="en-US"/>
           </a:p>
@@ -1768,7 +1768,7 @@
             <a:fld id="{1D8BD707-D9CF-40AE-B4C6-C98DA3205C09}" type="datetimeFigureOut">
               <a:rPr lang="en-US" smtClean="0"/>
               <a:pPr/>
-              <a:t>7/2/2018</a:t>
+              <a:t>7/3/2018</a:t>
             </a:fld>
             <a:endParaRPr lang="en-US"/>
           </a:p>
@@ -1883,7 +1883,7 @@
             <a:fld id="{1D8BD707-D9CF-40AE-B4C6-C98DA3205C09}" type="datetimeFigureOut">
               <a:rPr lang="en-US" smtClean="0"/>
               <a:pPr/>
-              <a:t>7/2/2018</a:t>
+              <a:t>7/3/2018</a:t>
             </a:fld>
             <a:endParaRPr lang="en-US"/>
           </a:p>
@@ -1975,7 +1975,7 @@
             <a:fld id="{1D8BD707-D9CF-40AE-B4C6-C98DA3205C09}" type="datetimeFigureOut">
               <a:rPr lang="en-US" smtClean="0"/>
               <a:pPr/>
-              <a:t>7/2/2018</a:t>
+              <a:t>7/3/2018</a:t>
             </a:fld>
             <a:endParaRPr lang="en-US"/>
           </a:p>
@@ -2249,7 +2249,7 @@
             <a:fld id="{1D8BD707-D9CF-40AE-B4C6-C98DA3205C09}" type="datetimeFigureOut">
               <a:rPr lang="en-US" smtClean="0"/>
               <a:pPr/>
-              <a:t>7/2/2018</a:t>
+              <a:t>7/3/2018</a:t>
             </a:fld>
             <a:endParaRPr lang="en-US"/>
           </a:p>
@@ -2499,7 +2499,7 @@
             <a:fld id="{1D8BD707-D9CF-40AE-B4C6-C98DA3205C09}" type="datetimeFigureOut">
               <a:rPr lang="en-US" smtClean="0"/>
               <a:pPr/>
-              <a:t>7/2/2018</a:t>
+              <a:t>7/3/2018</a:t>
             </a:fld>
             <a:endParaRPr lang="en-US"/>
           </a:p>
@@ -2709,7 +2709,7 @@
             <a:fld id="{1D8BD707-D9CF-40AE-B4C6-C98DA3205C09}" type="datetimeFigureOut">
               <a:rPr lang="en-US" smtClean="0"/>
               <a:pPr/>
-              <a:t>7/2/2018</a:t>
+              <a:t>7/3/2018</a:t>
             </a:fld>
             <a:endParaRPr lang="en-US"/>
           </a:p>
@@ -3259,32 +3259,56 @@
           <a:lstStyle/>
           <a:p>
             <a:r>
-              <a:rPr lang="en-GB" dirty="0" err="1" smtClean="0"/>
-              <a:t>Var</a:t>
-            </a:r>
-            <a:r>
-              <a:rPr lang="en-GB" dirty="0" smtClean="0"/>
-              <a:t> x = 5;</a:t>
-            </a:r>
-          </a:p>
-          <a:p>
-            <a:r>
-              <a:rPr lang="en-GB" dirty="0" err="1" smtClean="0"/>
-              <a:t>Var</a:t>
-            </a:r>
-            <a:r>
-              <a:rPr lang="en-GB" dirty="0" smtClean="0"/>
-              <a:t> y = “T3H”</a:t>
-            </a:r>
-          </a:p>
-          <a:p>
-            <a:r>
-              <a:rPr lang="en-GB" dirty="0" err="1" smtClean="0"/>
-              <a:t>Var</a:t>
-            </a:r>
-            <a:r>
-              <a:rPr lang="en-GB" dirty="0" smtClean="0"/>
-              <a:t> z = x + y;</a:t>
+              <a:rPr lang="en-GB" dirty="0" err="1"/>
+              <a:t>v</a:t>
+            </a:r>
+            <a:r>
+              <a:rPr lang="en-GB" dirty="0" err="1" smtClean="0"/>
+              <a:t>ar</a:t>
+            </a:r>
+            <a:r>
+              <a:rPr lang="en-GB" dirty="0" smtClean="0"/>
+              <a:t> </a:t>
+            </a:r>
+            <a:r>
+              <a:rPr lang="en-GB" dirty="0" smtClean="0"/>
+              <a:t>x = 5;</a:t>
+            </a:r>
+          </a:p>
+          <a:p>
+            <a:r>
+              <a:rPr lang="en-GB" dirty="0" err="1"/>
+              <a:t>v</a:t>
+            </a:r>
+            <a:r>
+              <a:rPr lang="en-GB" dirty="0" err="1" smtClean="0"/>
+              <a:t>ar</a:t>
+            </a:r>
+            <a:r>
+              <a:rPr lang="en-GB" dirty="0" smtClean="0"/>
+              <a:t> </a:t>
+            </a:r>
+            <a:r>
+              <a:rPr lang="en-GB" dirty="0" smtClean="0"/>
+              <a:t>y = “T3H”</a:t>
+            </a:r>
+          </a:p>
+          <a:p>
+            <a:r>
+              <a:rPr lang="en-GB" dirty="0" err="1"/>
+              <a:t>v</a:t>
+            </a:r>
+            <a:r>
+              <a:rPr lang="en-GB" dirty="0" err="1" smtClean="0"/>
+              <a:t>ar</a:t>
+            </a:r>
+            <a:r>
+              <a:rPr lang="en-GB" dirty="0" smtClean="0"/>
+              <a:t> </a:t>
+            </a:r>
+            <a:r>
+              <a:rPr lang="en-GB" dirty="0" smtClean="0"/>
+              <a:t>z = x + y;</a:t>
             </a:r>
             <a:endParaRPr lang="en-GB" dirty="0"/>
           </a:p>
@@ -7868,12 +7892,20 @@
           <a:p>
             <a:pPr lvl="1"/>
             <a:r>
-              <a:rPr lang="en-GB" dirty="0" err="1" smtClean="0"/>
-              <a:t>Var</a:t>
-            </a:r>
-            <a:r>
-              <a:rPr lang="en-GB" dirty="0" smtClean="0"/>
-              <a:t> item = 6; =&gt; </a:t>
+              <a:rPr lang="en-GB" dirty="0" err="1"/>
+              <a:t>v</a:t>
+            </a:r>
+            <a:r>
+              <a:rPr lang="en-GB" dirty="0" err="1" smtClean="0"/>
+              <a:t>ar</a:t>
+            </a:r>
+            <a:r>
+              <a:rPr lang="en-GB" dirty="0" smtClean="0"/>
+              <a:t> </a:t>
+            </a:r>
+            <a:r>
+              <a:rPr lang="en-GB" dirty="0" smtClean="0"/>
+              <a:t>item = 6; =&gt; </a:t>
             </a:r>
             <a:r>
               <a:rPr lang="en-GB" dirty="0" err="1" smtClean="0"/>
@@ -7916,12 +7948,20 @@
           <a:p>
             <a:pPr lvl="1"/>
             <a:r>
-              <a:rPr lang="en-GB" dirty="0" err="1" smtClean="0"/>
-              <a:t>Var</a:t>
-            </a:r>
-            <a:r>
-              <a:rPr lang="en-GB" dirty="0" smtClean="0"/>
-              <a:t> item = new Array(4, 100); =&gt; </a:t>
+              <a:rPr lang="en-GB" dirty="0" err="1"/>
+              <a:t>v</a:t>
+            </a:r>
+            <a:r>
+              <a:rPr lang="en-GB" dirty="0" err="1" smtClean="0"/>
+              <a:t>ar</a:t>
+            </a:r>
+            <a:r>
+              <a:rPr lang="en-GB" dirty="0" smtClean="0"/>
+              <a:t> </a:t>
+            </a:r>
+            <a:r>
+              <a:rPr lang="en-GB" dirty="0" smtClean="0"/>
+              <a:t>item = new Array(4, 100); =&gt; </a:t>
             </a:r>
             <a:r>
               <a:rPr lang="en-GB" dirty="0" err="1" smtClean="0"/>
@@ -7935,12 +7975,20 @@
           <a:p>
             <a:pPr lvl="1"/>
             <a:r>
-              <a:rPr lang="en-GB" dirty="0" err="1" smtClean="0"/>
-              <a:t>Var</a:t>
-            </a:r>
-            <a:r>
-              <a:rPr lang="en-GB" dirty="0" smtClean="0"/>
-              <a:t> item =&gt; </a:t>
+              <a:rPr lang="en-GB" dirty="0" err="1"/>
+              <a:t>v</a:t>
+            </a:r>
+            <a:r>
+              <a:rPr lang="en-GB" dirty="0" err="1" smtClean="0"/>
+              <a:t>ar</a:t>
+            </a:r>
+            <a:r>
+              <a:rPr lang="en-GB" dirty="0" smtClean="0"/>
+              <a:t> </a:t>
+            </a:r>
+            <a:r>
+              <a:rPr lang="en-GB" dirty="0" smtClean="0"/>
+              <a:t>item =&gt; </a:t>
             </a:r>
             <a:r>
               <a:rPr lang="en-GB" dirty="0" err="1" smtClean="0"/>
@@ -7999,8 +8047,12 @@
           </a:p>
           <a:p>
             <a:r>
-              <a:rPr lang="en-US" dirty="0" err="1" smtClean="0"/>
-              <a:t>Const</a:t>
+              <a:rPr lang="en-US" dirty="0" err="1"/>
+              <a:t>c</a:t>
+            </a:r>
+            <a:r>
+              <a:rPr lang="en-US" dirty="0" err="1" smtClean="0"/>
+              <a:t>onst</a:t>
             </a:r>
             <a:r>
               <a:rPr lang="en-US" dirty="0" smtClean="0"/>
@@ -8333,16 +8385,24 @@
           <a:p>
             <a:pPr lvl="1"/>
             <a:r>
-              <a:rPr lang="en-GB" dirty="0" err="1" smtClean="0"/>
-              <a:t>Typeof</a:t>
+              <a:rPr lang="en-GB" dirty="0" err="1"/>
+              <a:t>t</a:t>
+            </a:r>
+            <a:r>
+              <a:rPr lang="en-GB" dirty="0" err="1" smtClean="0"/>
+              <a:t>ypeof</a:t>
             </a:r>
             <a:endParaRPr lang="en-GB" dirty="0" smtClean="0"/>
           </a:p>
           <a:p>
             <a:pPr lvl="1"/>
             <a:r>
-              <a:rPr lang="en-GB" dirty="0" err="1" smtClean="0"/>
-              <a:t>Var</a:t>
+              <a:rPr lang="en-GB" dirty="0" err="1"/>
+              <a:t>v</a:t>
+            </a:r>
+            <a:r>
+              <a:rPr lang="en-GB" dirty="0" err="1" smtClean="0"/>
+              <a:t>ar</a:t>
             </a:r>
             <a:endParaRPr lang="en-GB" dirty="0" smtClean="0"/>
           </a:p>
@@ -8350,7 +8410,7 @@
             <a:pPr lvl="1"/>
             <a:r>
               <a:rPr lang="en-GB" dirty="0" err="1"/>
-              <a:t>U</a:t>
+              <a:t>u</a:t>
             </a:r>
             <a:r>
               <a:rPr lang="en-GB" dirty="0" err="1" smtClean="0"/>
@@ -8586,7 +8646,31 @@
             </a:r>
             <a:r>
               <a:rPr lang="en-GB" dirty="0" smtClean="0"/>
-              <a:t> object: array, number, date,…</a:t>
+              <a:t> object: </a:t>
+            </a:r>
+            <a:r>
+              <a:rPr lang="en-GB" dirty="0" smtClean="0"/>
+              <a:t>Array</a:t>
+            </a:r>
+            <a:r>
+              <a:rPr lang="en-GB" dirty="0" smtClean="0"/>
+              <a:t>, </a:t>
+            </a:r>
+            <a:r>
+              <a:rPr lang="en-GB" dirty="0" smtClean="0"/>
+              <a:t>Number</a:t>
+            </a:r>
+            <a:r>
+              <a:rPr lang="en-GB" dirty="0" smtClean="0"/>
+              <a:t>, </a:t>
+            </a:r>
+            <a:r>
+              <a:rPr lang="en-GB" dirty="0" smtClean="0"/>
+              <a:t>Date</a:t>
+            </a:r>
+            <a:r>
+              <a:rPr lang="en-GB" dirty="0" smtClean="0"/>
+              <a:t>,…</a:t>
             </a:r>
             <a:endParaRPr lang="en-GB" dirty="0"/>
           </a:p>
@@ -8711,20 +8795,33 @@
               <a:rPr lang="en-GB" dirty="0" err="1" smtClean="0"/>
               <a:t>học</a:t>
             </a:r>
+            <a:r>
+              <a:rPr lang="en-GB" dirty="0" smtClean="0"/>
+              <a:t>: + - * / , % ….</a:t>
+            </a:r>
             <a:endParaRPr lang="en-GB" dirty="0" smtClean="0"/>
           </a:p>
           <a:p>
             <a:r>
-              <a:rPr lang="en-GB" dirty="0" err="1" smtClean="0"/>
-              <a:t>Typeof</a:t>
+              <a:rPr lang="en-GB" dirty="0" err="1"/>
+              <a:t>t</a:t>
+            </a:r>
+            <a:r>
+              <a:rPr lang="en-GB" dirty="0" err="1" smtClean="0"/>
+              <a:t>ypeof</a:t>
             </a:r>
             <a:endParaRPr lang="en-GB" dirty="0" smtClean="0"/>
           </a:p>
           <a:p>
             <a:r>
-              <a:rPr lang="en-GB" dirty="0" smtClean="0"/>
-              <a:t>New</a:t>
-            </a:r>
+              <a:rPr lang="en-GB" dirty="0"/>
+              <a:t>n</a:t>
+            </a:r>
+            <a:r>
+              <a:rPr lang="en-GB" dirty="0" smtClean="0"/>
+              <a:t>ew</a:t>
+            </a:r>
+            <a:endParaRPr lang="en-GB" dirty="0" smtClean="0"/>
           </a:p>
           <a:p>
             <a:r>
@@ -8745,7 +8842,7 @@
             </a:r>
             <a:r>
               <a:rPr lang="en-GB" dirty="0" smtClean="0"/>
-              <a:t> =</a:t>
+              <a:t> ==</a:t>
             </a:r>
           </a:p>
           <a:p>
@@ -8974,34 +9071,66 @@
           <a:lstStyle/>
           <a:p>
             <a:r>
-              <a:rPr lang="en-GB" dirty="0" err="1" smtClean="0"/>
-              <a:t>Var</a:t>
-            </a:r>
-            <a:r>
-              <a:rPr lang="en-GB" dirty="0" smtClean="0"/>
-              <a:t> x = ‘5’;</a:t>
-            </a:r>
-          </a:p>
-          <a:p>
-            <a:r>
-              <a:rPr lang="en-GB" dirty="0" err="1" smtClean="0"/>
-              <a:t>Var</a:t>
-            </a:r>
-            <a:r>
-              <a:rPr lang="en-GB" dirty="0" smtClean="0"/>
-              <a:t> y = 5’;</a:t>
-            </a:r>
-          </a:p>
-          <a:p>
-            <a:r>
-              <a:rPr lang="en-GB" dirty="0" smtClean="0"/>
-              <a:t>Alert(x = y)</a:t>
-            </a:r>
-          </a:p>
-          <a:p>
-            <a:r>
-              <a:rPr lang="en-GB" dirty="0" smtClean="0"/>
-              <a:t>Alert (x===y)</a:t>
+              <a:rPr lang="en-GB" dirty="0" err="1"/>
+              <a:t>v</a:t>
+            </a:r>
+            <a:r>
+              <a:rPr lang="en-GB" dirty="0" err="1" smtClean="0"/>
+              <a:t>ar</a:t>
+            </a:r>
+            <a:r>
+              <a:rPr lang="en-GB" dirty="0" smtClean="0"/>
+              <a:t> </a:t>
+            </a:r>
+            <a:r>
+              <a:rPr lang="en-GB" dirty="0" smtClean="0"/>
+              <a:t>x = ‘5’;</a:t>
+            </a:r>
+          </a:p>
+          <a:p>
+            <a:r>
+              <a:rPr lang="en-GB" dirty="0" err="1"/>
+              <a:t>v</a:t>
+            </a:r>
+            <a:r>
+              <a:rPr lang="en-GB" dirty="0" err="1" smtClean="0"/>
+              <a:t>ar</a:t>
+            </a:r>
+            <a:r>
+              <a:rPr lang="en-GB" dirty="0" smtClean="0"/>
+              <a:t> </a:t>
+            </a:r>
+            <a:r>
+              <a:rPr lang="en-GB" dirty="0" smtClean="0"/>
+              <a:t>y = 5;</a:t>
+            </a:r>
+          </a:p>
+          <a:p>
+            <a:r>
+              <a:rPr lang="en-GB" dirty="0"/>
+              <a:t>a</a:t>
+            </a:r>
+            <a:r>
+              <a:rPr lang="en-GB" dirty="0" smtClean="0"/>
+              <a:t>lert(x </a:t>
+            </a:r>
+            <a:r>
+              <a:rPr lang="en-GB" dirty="0" smtClean="0"/>
+              <a:t>== y)</a:t>
+            </a:r>
+          </a:p>
+          <a:p>
+            <a:r>
+              <a:rPr lang="en-GB" dirty="0"/>
+              <a:t>a</a:t>
+            </a:r>
+            <a:r>
+              <a:rPr lang="en-GB" dirty="0" smtClean="0"/>
+              <a:t>lert </a:t>
+            </a:r>
+            <a:r>
+              <a:rPr lang="en-GB" dirty="0" smtClean="0"/>
+              <a:t>(x===y)</a:t>
             </a:r>
             <a:endParaRPr lang="en-GB" dirty="0"/>
           </a:p>
@@ -9016,7 +9145,7 @@
         <p:spPr>
           <a:xfrm>
             <a:off x="3505200" y="4648200"/>
-            <a:ext cx="2847254" cy="1077218"/>
+            <a:ext cx="2811988" cy="1077218"/>
           </a:xfrm>
           <a:prstGeom prst="rect">
             <a:avLst/>
@@ -9031,13 +9160,21 @@
           <a:p>
             <a:r>
               <a:rPr lang="en-GB" sz="3200" dirty="0" smtClean="0"/>
-              <a:t>x = y =&gt; true</a:t>
-            </a:r>
-          </a:p>
-          <a:p>
+              <a:t>x == y =&gt; true</a:t>
+            </a:r>
+          </a:p>
+          <a:p>
+            <a:r>
+              <a:rPr lang="en-GB" sz="3200" dirty="0"/>
+              <a:t>x</a:t>
+            </a:r>
             <a:r>
               <a:rPr lang="en-GB" sz="3200" dirty="0" smtClean="0"/>
-              <a:t>X === </a:t>
+              <a:t> </a:t>
+            </a:r>
+            <a:r>
+              <a:rPr lang="en-GB" sz="3200" dirty="0" smtClean="0"/>
+              <a:t>=== </a:t>
             </a:r>
             <a:r>
               <a:rPr lang="en-GB" sz="3200" dirty="0"/>
@@ -9045,7 +9182,11 @@
             </a:r>
             <a:r>
               <a:rPr lang="en-GB" sz="3200" dirty="0" smtClean="0"/>
-              <a:t> =&gt;  false</a:t>
+              <a:t> </a:t>
+            </a:r>
+            <a:r>
+              <a:rPr lang="en-GB" sz="3200" dirty="0" smtClean="0"/>
+              <a:t>=&gt;  false</a:t>
             </a:r>
             <a:endParaRPr lang="en-GB" sz="3200" dirty="0"/>
           </a:p>
